--- a/ppt 16-9/1346.耶和华所立的.pptx
+++ b/ppt 16-9/1346.耶和华所立的.pptx
@@ -129,7 +129,7 @@
           <p:cNvPr id="2" name="标题 1">
             <a:extLst>
               <a:ext uri="{FF2B5EF4-FFF2-40B4-BE49-F238E27FC236}">
-                <a16:creationId xmlns:a16="http://schemas.microsoft.com/office/drawing/2014/main" id="{E8E1D1D0-ECD2-4591-B45C-238F6EC648DA}"/>
+                <a16:creationId xmlns:a16="http://schemas.microsoft.com/office/drawing/2014/main" id="{26B507BC-82D1-6703-60E2-8012226F17C9}"/>
               </a:ext>
             </a:extLst>
           </p:cNvPr>
@@ -166,7 +166,7 @@
           <p:cNvPr id="3" name="副标题 2">
             <a:extLst>
               <a:ext uri="{FF2B5EF4-FFF2-40B4-BE49-F238E27FC236}">
-                <a16:creationId xmlns:a16="http://schemas.microsoft.com/office/drawing/2014/main" id="{102E4868-68AF-0296-6669-CA2B3C5ECD23}"/>
+                <a16:creationId xmlns:a16="http://schemas.microsoft.com/office/drawing/2014/main" id="{306805E2-1C24-C821-A272-ED6FB096E986}"/>
               </a:ext>
             </a:extLst>
           </p:cNvPr>
@@ -236,7 +236,7 @@
           <p:cNvPr id="4" name="日期占位符 3">
             <a:extLst>
               <a:ext uri="{FF2B5EF4-FFF2-40B4-BE49-F238E27FC236}">
-                <a16:creationId xmlns:a16="http://schemas.microsoft.com/office/drawing/2014/main" id="{D74275E6-8AB1-1E0D-6414-8B162681EA88}"/>
+                <a16:creationId xmlns:a16="http://schemas.microsoft.com/office/drawing/2014/main" id="{31A45788-84A9-D2CB-1F22-25FC6EED38F5}"/>
               </a:ext>
             </a:extLst>
           </p:cNvPr>
@@ -252,7 +252,7 @@
           <a:bodyPr/>
           <a:lstStyle/>
           <a:p>
-            <a:fld id="{B69B3A80-F418-4F10-9473-648ABBF2F085}" type="datetimeFigureOut">
+            <a:fld id="{B11E48E7-0EA7-4F38-AC88-CFE93650C372}" type="datetimeFigureOut">
               <a:rPr lang="zh-CN" altLang="en-US" smtClean="0"/>
               <a:t>2024/3/10</a:t>
             </a:fld>
@@ -265,7 +265,7 @@
           <p:cNvPr id="5" name="页脚占位符 4">
             <a:extLst>
               <a:ext uri="{FF2B5EF4-FFF2-40B4-BE49-F238E27FC236}">
-                <a16:creationId xmlns:a16="http://schemas.microsoft.com/office/drawing/2014/main" id="{F4AFD95F-633A-6D64-154F-297C2D7E2044}"/>
+                <a16:creationId xmlns:a16="http://schemas.microsoft.com/office/drawing/2014/main" id="{81E242C1-15BB-6AB6-7C56-C9AB728BEB9E}"/>
               </a:ext>
             </a:extLst>
           </p:cNvPr>
@@ -290,7 +290,7 @@
           <p:cNvPr id="6" name="灯片编号占位符 5">
             <a:extLst>
               <a:ext uri="{FF2B5EF4-FFF2-40B4-BE49-F238E27FC236}">
-                <a16:creationId xmlns:a16="http://schemas.microsoft.com/office/drawing/2014/main" id="{FA8CB6F8-F201-1E5A-655F-1BC84F41F920}"/>
+                <a16:creationId xmlns:a16="http://schemas.microsoft.com/office/drawing/2014/main" id="{2C03D794-7F4B-053E-9B0C-4B4BFB71F204}"/>
               </a:ext>
             </a:extLst>
           </p:cNvPr>
@@ -306,7 +306,7 @@
           <a:bodyPr/>
           <a:lstStyle/>
           <a:p>
-            <a:fld id="{460F102B-1126-499B-B644-43CB8C79078F}" type="slidenum">
+            <a:fld id="{75B9F9AD-843F-4D3C-B48E-CE19D8EE0607}" type="slidenum">
               <a:rPr lang="zh-CN" altLang="en-US" smtClean="0"/>
               <a:t>‹#›</a:t>
             </a:fld>
@@ -317,7 +317,7 @@
     </p:spTree>
     <p:extLst>
       <p:ext uri="{BB962C8B-B14F-4D97-AF65-F5344CB8AC3E}">
-        <p14:creationId xmlns:p14="http://schemas.microsoft.com/office/powerpoint/2010/main" val="1492276071"/>
+        <p14:creationId xmlns:p14="http://schemas.microsoft.com/office/powerpoint/2010/main" val="2989718281"/>
       </p:ext>
     </p:extLst>
   </p:cSld>
@@ -349,7 +349,7 @@
           <p:cNvPr id="2" name="标题 1">
             <a:extLst>
               <a:ext uri="{FF2B5EF4-FFF2-40B4-BE49-F238E27FC236}">
-                <a16:creationId xmlns:a16="http://schemas.microsoft.com/office/drawing/2014/main" id="{26116899-8561-B55F-3BB5-F96435D766B0}"/>
+                <a16:creationId xmlns:a16="http://schemas.microsoft.com/office/drawing/2014/main" id="{A5FE3FCC-43E8-5D03-DD01-3640CA315EC9}"/>
               </a:ext>
             </a:extLst>
           </p:cNvPr>
@@ -377,7 +377,7 @@
           <p:cNvPr id="3" name="竖排文字占位符 2">
             <a:extLst>
               <a:ext uri="{FF2B5EF4-FFF2-40B4-BE49-F238E27FC236}">
-                <a16:creationId xmlns:a16="http://schemas.microsoft.com/office/drawing/2014/main" id="{68FE97B1-403F-6605-2033-81F95638E8FD}"/>
+                <a16:creationId xmlns:a16="http://schemas.microsoft.com/office/drawing/2014/main" id="{80DE6EB7-43F5-778F-2325-2AE6D52BDD7E}"/>
               </a:ext>
             </a:extLst>
           </p:cNvPr>
@@ -434,7 +434,7 @@
           <p:cNvPr id="4" name="日期占位符 3">
             <a:extLst>
               <a:ext uri="{FF2B5EF4-FFF2-40B4-BE49-F238E27FC236}">
-                <a16:creationId xmlns:a16="http://schemas.microsoft.com/office/drawing/2014/main" id="{6624C0C5-4E38-C9CD-0613-BC90BC0B5DE2}"/>
+                <a16:creationId xmlns:a16="http://schemas.microsoft.com/office/drawing/2014/main" id="{A296F055-6ADE-CB10-C65C-E88E1199B307}"/>
               </a:ext>
             </a:extLst>
           </p:cNvPr>
@@ -450,7 +450,7 @@
           <a:bodyPr/>
           <a:lstStyle/>
           <a:p>
-            <a:fld id="{B69B3A80-F418-4F10-9473-648ABBF2F085}" type="datetimeFigureOut">
+            <a:fld id="{B11E48E7-0EA7-4F38-AC88-CFE93650C372}" type="datetimeFigureOut">
               <a:rPr lang="zh-CN" altLang="en-US" smtClean="0"/>
               <a:t>2024/3/10</a:t>
             </a:fld>
@@ -463,7 +463,7 @@
           <p:cNvPr id="5" name="页脚占位符 4">
             <a:extLst>
               <a:ext uri="{FF2B5EF4-FFF2-40B4-BE49-F238E27FC236}">
-                <a16:creationId xmlns:a16="http://schemas.microsoft.com/office/drawing/2014/main" id="{928BFBC9-2326-ED15-42A5-4F8B13804C34}"/>
+                <a16:creationId xmlns:a16="http://schemas.microsoft.com/office/drawing/2014/main" id="{0805BF4F-A352-046F-83E1-0ACF1644BBFE}"/>
               </a:ext>
             </a:extLst>
           </p:cNvPr>
@@ -488,7 +488,7 @@
           <p:cNvPr id="6" name="灯片编号占位符 5">
             <a:extLst>
               <a:ext uri="{FF2B5EF4-FFF2-40B4-BE49-F238E27FC236}">
-                <a16:creationId xmlns:a16="http://schemas.microsoft.com/office/drawing/2014/main" id="{8370C3B9-7A08-19D1-0347-45055E867BE8}"/>
+                <a16:creationId xmlns:a16="http://schemas.microsoft.com/office/drawing/2014/main" id="{5AE680AB-AF3F-C1B8-00BB-0BC835006D26}"/>
               </a:ext>
             </a:extLst>
           </p:cNvPr>
@@ -504,7 +504,7 @@
           <a:bodyPr/>
           <a:lstStyle/>
           <a:p>
-            <a:fld id="{460F102B-1126-499B-B644-43CB8C79078F}" type="slidenum">
+            <a:fld id="{75B9F9AD-843F-4D3C-B48E-CE19D8EE0607}" type="slidenum">
               <a:rPr lang="zh-CN" altLang="en-US" smtClean="0"/>
               <a:t>‹#›</a:t>
             </a:fld>
@@ -515,7 +515,7 @@
     </p:spTree>
     <p:extLst>
       <p:ext uri="{BB962C8B-B14F-4D97-AF65-F5344CB8AC3E}">
-        <p14:creationId xmlns:p14="http://schemas.microsoft.com/office/powerpoint/2010/main" val="105035695"/>
+        <p14:creationId xmlns:p14="http://schemas.microsoft.com/office/powerpoint/2010/main" val="2911918804"/>
       </p:ext>
     </p:extLst>
   </p:cSld>
@@ -547,7 +547,7 @@
           <p:cNvPr id="2" name="竖排标题 1">
             <a:extLst>
               <a:ext uri="{FF2B5EF4-FFF2-40B4-BE49-F238E27FC236}">
-                <a16:creationId xmlns:a16="http://schemas.microsoft.com/office/drawing/2014/main" id="{8A472A88-2C54-A67A-C3F8-EEA0193850F0}"/>
+                <a16:creationId xmlns:a16="http://schemas.microsoft.com/office/drawing/2014/main" id="{69266584-ED62-FC40-64E4-552BE9ACFD39}"/>
               </a:ext>
             </a:extLst>
           </p:cNvPr>
@@ -580,7 +580,7 @@
           <p:cNvPr id="3" name="竖排文字占位符 2">
             <a:extLst>
               <a:ext uri="{FF2B5EF4-FFF2-40B4-BE49-F238E27FC236}">
-                <a16:creationId xmlns:a16="http://schemas.microsoft.com/office/drawing/2014/main" id="{99A36407-041F-C1D2-A15D-6100F5CFCCE0}"/>
+                <a16:creationId xmlns:a16="http://schemas.microsoft.com/office/drawing/2014/main" id="{C50825FE-6F4B-2D5C-F05D-AF9C1E6A7421}"/>
               </a:ext>
             </a:extLst>
           </p:cNvPr>
@@ -642,7 +642,7 @@
           <p:cNvPr id="4" name="日期占位符 3">
             <a:extLst>
               <a:ext uri="{FF2B5EF4-FFF2-40B4-BE49-F238E27FC236}">
-                <a16:creationId xmlns:a16="http://schemas.microsoft.com/office/drawing/2014/main" id="{0FC33C60-6B90-5327-8800-41B1163C52A5}"/>
+                <a16:creationId xmlns:a16="http://schemas.microsoft.com/office/drawing/2014/main" id="{C540FB48-447F-6B29-FABF-5659A3C98993}"/>
               </a:ext>
             </a:extLst>
           </p:cNvPr>
@@ -658,7 +658,7 @@
           <a:bodyPr/>
           <a:lstStyle/>
           <a:p>
-            <a:fld id="{B69B3A80-F418-4F10-9473-648ABBF2F085}" type="datetimeFigureOut">
+            <a:fld id="{B11E48E7-0EA7-4F38-AC88-CFE93650C372}" type="datetimeFigureOut">
               <a:rPr lang="zh-CN" altLang="en-US" smtClean="0"/>
               <a:t>2024/3/10</a:t>
             </a:fld>
@@ -671,7 +671,7 @@
           <p:cNvPr id="5" name="页脚占位符 4">
             <a:extLst>
               <a:ext uri="{FF2B5EF4-FFF2-40B4-BE49-F238E27FC236}">
-                <a16:creationId xmlns:a16="http://schemas.microsoft.com/office/drawing/2014/main" id="{B0A5B005-686D-E7CC-69FF-915F73F1A72A}"/>
+                <a16:creationId xmlns:a16="http://schemas.microsoft.com/office/drawing/2014/main" id="{32AC9302-2233-BAF1-D05A-656B04074290}"/>
               </a:ext>
             </a:extLst>
           </p:cNvPr>
@@ -696,7 +696,7 @@
           <p:cNvPr id="6" name="灯片编号占位符 5">
             <a:extLst>
               <a:ext uri="{FF2B5EF4-FFF2-40B4-BE49-F238E27FC236}">
-                <a16:creationId xmlns:a16="http://schemas.microsoft.com/office/drawing/2014/main" id="{90495C43-38B3-8EFF-15F5-5B542D4EFEEE}"/>
+                <a16:creationId xmlns:a16="http://schemas.microsoft.com/office/drawing/2014/main" id="{76859AE6-8E5C-3170-9FDB-D07CC6B8A827}"/>
               </a:ext>
             </a:extLst>
           </p:cNvPr>
@@ -712,7 +712,7 @@
           <a:bodyPr/>
           <a:lstStyle/>
           <a:p>
-            <a:fld id="{460F102B-1126-499B-B644-43CB8C79078F}" type="slidenum">
+            <a:fld id="{75B9F9AD-843F-4D3C-B48E-CE19D8EE0607}" type="slidenum">
               <a:rPr lang="zh-CN" altLang="en-US" smtClean="0"/>
               <a:t>‹#›</a:t>
             </a:fld>
@@ -723,7 +723,7 @@
     </p:spTree>
     <p:extLst>
       <p:ext uri="{BB962C8B-B14F-4D97-AF65-F5344CB8AC3E}">
-        <p14:creationId xmlns:p14="http://schemas.microsoft.com/office/powerpoint/2010/main" val="4218832141"/>
+        <p14:creationId xmlns:p14="http://schemas.microsoft.com/office/powerpoint/2010/main" val="2367465715"/>
       </p:ext>
     </p:extLst>
   </p:cSld>
@@ -755,7 +755,7 @@
           <p:cNvPr id="2" name="标题 1">
             <a:extLst>
               <a:ext uri="{FF2B5EF4-FFF2-40B4-BE49-F238E27FC236}">
-                <a16:creationId xmlns:a16="http://schemas.microsoft.com/office/drawing/2014/main" id="{030DCF95-88C0-EFA0-8A4E-CAB8E4095A50}"/>
+                <a16:creationId xmlns:a16="http://schemas.microsoft.com/office/drawing/2014/main" id="{69749BD8-54B2-B447-9DA3-436EDE561766}"/>
               </a:ext>
             </a:extLst>
           </p:cNvPr>
@@ -783,7 +783,7 @@
           <p:cNvPr id="3" name="内容占位符 2">
             <a:extLst>
               <a:ext uri="{FF2B5EF4-FFF2-40B4-BE49-F238E27FC236}">
-                <a16:creationId xmlns:a16="http://schemas.microsoft.com/office/drawing/2014/main" id="{EE2499F9-98FE-9D95-8F64-DCEBB28EC99E}"/>
+                <a16:creationId xmlns:a16="http://schemas.microsoft.com/office/drawing/2014/main" id="{76799554-ABF9-2C6C-BF65-4ABEDA6DC45A}"/>
               </a:ext>
             </a:extLst>
           </p:cNvPr>
@@ -840,7 +840,7 @@
           <p:cNvPr id="4" name="日期占位符 3">
             <a:extLst>
               <a:ext uri="{FF2B5EF4-FFF2-40B4-BE49-F238E27FC236}">
-                <a16:creationId xmlns:a16="http://schemas.microsoft.com/office/drawing/2014/main" id="{DD7FB473-ED67-EA09-5D57-44938B87D8FD}"/>
+                <a16:creationId xmlns:a16="http://schemas.microsoft.com/office/drawing/2014/main" id="{53C0C49D-1C60-C31E-761E-816A591934F7}"/>
               </a:ext>
             </a:extLst>
           </p:cNvPr>
@@ -856,7 +856,7 @@
           <a:bodyPr/>
           <a:lstStyle/>
           <a:p>
-            <a:fld id="{B69B3A80-F418-4F10-9473-648ABBF2F085}" type="datetimeFigureOut">
+            <a:fld id="{B11E48E7-0EA7-4F38-AC88-CFE93650C372}" type="datetimeFigureOut">
               <a:rPr lang="zh-CN" altLang="en-US" smtClean="0"/>
               <a:t>2024/3/10</a:t>
             </a:fld>
@@ -869,7 +869,7 @@
           <p:cNvPr id="5" name="页脚占位符 4">
             <a:extLst>
               <a:ext uri="{FF2B5EF4-FFF2-40B4-BE49-F238E27FC236}">
-                <a16:creationId xmlns:a16="http://schemas.microsoft.com/office/drawing/2014/main" id="{96916E6E-4252-BF89-85E9-DBB2D6A01D2E}"/>
+                <a16:creationId xmlns:a16="http://schemas.microsoft.com/office/drawing/2014/main" id="{ABB56E4D-AD7C-866D-F68B-BF1A53B23366}"/>
               </a:ext>
             </a:extLst>
           </p:cNvPr>
@@ -894,7 +894,7 @@
           <p:cNvPr id="6" name="灯片编号占位符 5">
             <a:extLst>
               <a:ext uri="{FF2B5EF4-FFF2-40B4-BE49-F238E27FC236}">
-                <a16:creationId xmlns:a16="http://schemas.microsoft.com/office/drawing/2014/main" id="{EE3EF34B-4DDA-A181-E103-CB1CA2A0A83F}"/>
+                <a16:creationId xmlns:a16="http://schemas.microsoft.com/office/drawing/2014/main" id="{1E2B4448-373F-DA07-4143-6A896AB24F99}"/>
               </a:ext>
             </a:extLst>
           </p:cNvPr>
@@ -910,7 +910,7 @@
           <a:bodyPr/>
           <a:lstStyle/>
           <a:p>
-            <a:fld id="{460F102B-1126-499B-B644-43CB8C79078F}" type="slidenum">
+            <a:fld id="{75B9F9AD-843F-4D3C-B48E-CE19D8EE0607}" type="slidenum">
               <a:rPr lang="zh-CN" altLang="en-US" smtClean="0"/>
               <a:t>‹#›</a:t>
             </a:fld>
@@ -921,7 +921,7 @@
     </p:spTree>
     <p:extLst>
       <p:ext uri="{BB962C8B-B14F-4D97-AF65-F5344CB8AC3E}">
-        <p14:creationId xmlns:p14="http://schemas.microsoft.com/office/powerpoint/2010/main" val="1023071900"/>
+        <p14:creationId xmlns:p14="http://schemas.microsoft.com/office/powerpoint/2010/main" val="602532343"/>
       </p:ext>
     </p:extLst>
   </p:cSld>
@@ -953,7 +953,7 @@
           <p:cNvPr id="2" name="标题 1">
             <a:extLst>
               <a:ext uri="{FF2B5EF4-FFF2-40B4-BE49-F238E27FC236}">
-                <a16:creationId xmlns:a16="http://schemas.microsoft.com/office/drawing/2014/main" id="{526135F7-C6A4-8240-9531-A648F3D33EB5}"/>
+                <a16:creationId xmlns:a16="http://schemas.microsoft.com/office/drawing/2014/main" id="{6D1C6F1A-E4C2-8133-E21C-E918D5B56332}"/>
               </a:ext>
             </a:extLst>
           </p:cNvPr>
@@ -990,7 +990,7 @@
           <p:cNvPr id="3" name="文本占位符 2">
             <a:extLst>
               <a:ext uri="{FF2B5EF4-FFF2-40B4-BE49-F238E27FC236}">
-                <a16:creationId xmlns:a16="http://schemas.microsoft.com/office/drawing/2014/main" id="{02C66E3E-BFED-072F-3393-3971A9B3716F}"/>
+                <a16:creationId xmlns:a16="http://schemas.microsoft.com/office/drawing/2014/main" id="{E35C713B-E757-8F9B-BDFE-D63247CAFAC2}"/>
               </a:ext>
             </a:extLst>
           </p:cNvPr>
@@ -1115,7 +1115,7 @@
           <p:cNvPr id="4" name="日期占位符 3">
             <a:extLst>
               <a:ext uri="{FF2B5EF4-FFF2-40B4-BE49-F238E27FC236}">
-                <a16:creationId xmlns:a16="http://schemas.microsoft.com/office/drawing/2014/main" id="{3B66E219-1FC5-6DF0-E27F-FEACD3DD9FF3}"/>
+                <a16:creationId xmlns:a16="http://schemas.microsoft.com/office/drawing/2014/main" id="{979CCC5C-54EF-484C-6220-883D49349111}"/>
               </a:ext>
             </a:extLst>
           </p:cNvPr>
@@ -1131,7 +1131,7 @@
           <a:bodyPr/>
           <a:lstStyle/>
           <a:p>
-            <a:fld id="{B69B3A80-F418-4F10-9473-648ABBF2F085}" type="datetimeFigureOut">
+            <a:fld id="{B11E48E7-0EA7-4F38-AC88-CFE93650C372}" type="datetimeFigureOut">
               <a:rPr lang="zh-CN" altLang="en-US" smtClean="0"/>
               <a:t>2024/3/10</a:t>
             </a:fld>
@@ -1144,7 +1144,7 @@
           <p:cNvPr id="5" name="页脚占位符 4">
             <a:extLst>
               <a:ext uri="{FF2B5EF4-FFF2-40B4-BE49-F238E27FC236}">
-                <a16:creationId xmlns:a16="http://schemas.microsoft.com/office/drawing/2014/main" id="{E5AA6135-5F66-825E-A025-5EC0942A6C6A}"/>
+                <a16:creationId xmlns:a16="http://schemas.microsoft.com/office/drawing/2014/main" id="{60CB3AA9-659F-A7EA-7834-8C2CDAA3537F}"/>
               </a:ext>
             </a:extLst>
           </p:cNvPr>
@@ -1169,7 +1169,7 @@
           <p:cNvPr id="6" name="灯片编号占位符 5">
             <a:extLst>
               <a:ext uri="{FF2B5EF4-FFF2-40B4-BE49-F238E27FC236}">
-                <a16:creationId xmlns:a16="http://schemas.microsoft.com/office/drawing/2014/main" id="{75773F40-3966-8DDC-213F-0F05BE53214F}"/>
+                <a16:creationId xmlns:a16="http://schemas.microsoft.com/office/drawing/2014/main" id="{435665C2-DFC7-12A8-AA61-2D8BBB799C44}"/>
               </a:ext>
             </a:extLst>
           </p:cNvPr>
@@ -1185,7 +1185,7 @@
           <a:bodyPr/>
           <a:lstStyle/>
           <a:p>
-            <a:fld id="{460F102B-1126-499B-B644-43CB8C79078F}" type="slidenum">
+            <a:fld id="{75B9F9AD-843F-4D3C-B48E-CE19D8EE0607}" type="slidenum">
               <a:rPr lang="zh-CN" altLang="en-US" smtClean="0"/>
               <a:t>‹#›</a:t>
             </a:fld>
@@ -1196,7 +1196,7 @@
     </p:spTree>
     <p:extLst>
       <p:ext uri="{BB962C8B-B14F-4D97-AF65-F5344CB8AC3E}">
-        <p14:creationId xmlns:p14="http://schemas.microsoft.com/office/powerpoint/2010/main" val="57620013"/>
+        <p14:creationId xmlns:p14="http://schemas.microsoft.com/office/powerpoint/2010/main" val="1299484202"/>
       </p:ext>
     </p:extLst>
   </p:cSld>
@@ -1228,7 +1228,7 @@
           <p:cNvPr id="2" name="标题 1">
             <a:extLst>
               <a:ext uri="{FF2B5EF4-FFF2-40B4-BE49-F238E27FC236}">
-                <a16:creationId xmlns:a16="http://schemas.microsoft.com/office/drawing/2014/main" id="{539AB561-C75A-BD8B-1A3F-85A0FF514668}"/>
+                <a16:creationId xmlns:a16="http://schemas.microsoft.com/office/drawing/2014/main" id="{C218D0C8-138C-EE45-6C29-E850B3118F2E}"/>
               </a:ext>
             </a:extLst>
           </p:cNvPr>
@@ -1256,7 +1256,7 @@
           <p:cNvPr id="3" name="内容占位符 2">
             <a:extLst>
               <a:ext uri="{FF2B5EF4-FFF2-40B4-BE49-F238E27FC236}">
-                <a16:creationId xmlns:a16="http://schemas.microsoft.com/office/drawing/2014/main" id="{EE975453-DF35-93FC-FBB5-542E747C83B3}"/>
+                <a16:creationId xmlns:a16="http://schemas.microsoft.com/office/drawing/2014/main" id="{D09DD3CE-A318-0A8D-5572-ED72EA8293D7}"/>
               </a:ext>
             </a:extLst>
           </p:cNvPr>
@@ -1318,7 +1318,7 @@
           <p:cNvPr id="4" name="内容占位符 3">
             <a:extLst>
               <a:ext uri="{FF2B5EF4-FFF2-40B4-BE49-F238E27FC236}">
-                <a16:creationId xmlns:a16="http://schemas.microsoft.com/office/drawing/2014/main" id="{FF6DAE43-ED76-C104-2F8E-A9EB92402F92}"/>
+                <a16:creationId xmlns:a16="http://schemas.microsoft.com/office/drawing/2014/main" id="{DA8D1DDA-2BFB-69E4-DDAA-53C127D16393}"/>
               </a:ext>
             </a:extLst>
           </p:cNvPr>
@@ -1380,7 +1380,7 @@
           <p:cNvPr id="5" name="日期占位符 4">
             <a:extLst>
               <a:ext uri="{FF2B5EF4-FFF2-40B4-BE49-F238E27FC236}">
-                <a16:creationId xmlns:a16="http://schemas.microsoft.com/office/drawing/2014/main" id="{F610D7ED-DBD3-1AEA-0F4D-738888695023}"/>
+                <a16:creationId xmlns:a16="http://schemas.microsoft.com/office/drawing/2014/main" id="{29A86975-0369-C6F0-FA16-5AAF4C77148C}"/>
               </a:ext>
             </a:extLst>
           </p:cNvPr>
@@ -1396,7 +1396,7 @@
           <a:bodyPr/>
           <a:lstStyle/>
           <a:p>
-            <a:fld id="{B69B3A80-F418-4F10-9473-648ABBF2F085}" type="datetimeFigureOut">
+            <a:fld id="{B11E48E7-0EA7-4F38-AC88-CFE93650C372}" type="datetimeFigureOut">
               <a:rPr lang="zh-CN" altLang="en-US" smtClean="0"/>
               <a:t>2024/3/10</a:t>
             </a:fld>
@@ -1409,7 +1409,7 @@
           <p:cNvPr id="6" name="页脚占位符 5">
             <a:extLst>
               <a:ext uri="{FF2B5EF4-FFF2-40B4-BE49-F238E27FC236}">
-                <a16:creationId xmlns:a16="http://schemas.microsoft.com/office/drawing/2014/main" id="{7250BBED-441F-2DC1-BD24-B6665689F4C6}"/>
+                <a16:creationId xmlns:a16="http://schemas.microsoft.com/office/drawing/2014/main" id="{16367B07-9071-B678-7C0B-508AA98F621D}"/>
               </a:ext>
             </a:extLst>
           </p:cNvPr>
@@ -1434,7 +1434,7 @@
           <p:cNvPr id="7" name="灯片编号占位符 6">
             <a:extLst>
               <a:ext uri="{FF2B5EF4-FFF2-40B4-BE49-F238E27FC236}">
-                <a16:creationId xmlns:a16="http://schemas.microsoft.com/office/drawing/2014/main" id="{158FE976-54FE-8A56-CE37-A22A5418C111}"/>
+                <a16:creationId xmlns:a16="http://schemas.microsoft.com/office/drawing/2014/main" id="{B0485B6A-B23C-D1DF-71F9-D437C87D3EE0}"/>
               </a:ext>
             </a:extLst>
           </p:cNvPr>
@@ -1450,7 +1450,7 @@
           <a:bodyPr/>
           <a:lstStyle/>
           <a:p>
-            <a:fld id="{460F102B-1126-499B-B644-43CB8C79078F}" type="slidenum">
+            <a:fld id="{75B9F9AD-843F-4D3C-B48E-CE19D8EE0607}" type="slidenum">
               <a:rPr lang="zh-CN" altLang="en-US" smtClean="0"/>
               <a:t>‹#›</a:t>
             </a:fld>
@@ -1461,7 +1461,7 @@
     </p:spTree>
     <p:extLst>
       <p:ext uri="{BB962C8B-B14F-4D97-AF65-F5344CB8AC3E}">
-        <p14:creationId xmlns:p14="http://schemas.microsoft.com/office/powerpoint/2010/main" val="1185621536"/>
+        <p14:creationId xmlns:p14="http://schemas.microsoft.com/office/powerpoint/2010/main" val="3025959357"/>
       </p:ext>
     </p:extLst>
   </p:cSld>
@@ -1493,7 +1493,7 @@
           <p:cNvPr id="2" name="标题 1">
             <a:extLst>
               <a:ext uri="{FF2B5EF4-FFF2-40B4-BE49-F238E27FC236}">
-                <a16:creationId xmlns:a16="http://schemas.microsoft.com/office/drawing/2014/main" id="{D446A735-6000-CDCE-B7DB-1B1D62C9AEA7}"/>
+                <a16:creationId xmlns:a16="http://schemas.microsoft.com/office/drawing/2014/main" id="{63D4AE77-3691-0C65-FAC9-0764C18A4E72}"/>
               </a:ext>
             </a:extLst>
           </p:cNvPr>
@@ -1526,7 +1526,7 @@
           <p:cNvPr id="3" name="文本占位符 2">
             <a:extLst>
               <a:ext uri="{FF2B5EF4-FFF2-40B4-BE49-F238E27FC236}">
-                <a16:creationId xmlns:a16="http://schemas.microsoft.com/office/drawing/2014/main" id="{B944535C-09D8-C0A2-C12B-3FC977BE4DF5}"/>
+                <a16:creationId xmlns:a16="http://schemas.microsoft.com/office/drawing/2014/main" id="{F9A27DA9-F108-65F5-5B1A-876DDBA5EE7A}"/>
               </a:ext>
             </a:extLst>
           </p:cNvPr>
@@ -1597,7 +1597,7 @@
           <p:cNvPr id="4" name="内容占位符 3">
             <a:extLst>
               <a:ext uri="{FF2B5EF4-FFF2-40B4-BE49-F238E27FC236}">
-                <a16:creationId xmlns:a16="http://schemas.microsoft.com/office/drawing/2014/main" id="{A975A47A-7EAD-3810-DA0F-3947F8142D77}"/>
+                <a16:creationId xmlns:a16="http://schemas.microsoft.com/office/drawing/2014/main" id="{D58C3237-C0C9-1C89-3E4F-2023ECE54F79}"/>
               </a:ext>
             </a:extLst>
           </p:cNvPr>
@@ -1659,7 +1659,7 @@
           <p:cNvPr id="5" name="文本占位符 4">
             <a:extLst>
               <a:ext uri="{FF2B5EF4-FFF2-40B4-BE49-F238E27FC236}">
-                <a16:creationId xmlns:a16="http://schemas.microsoft.com/office/drawing/2014/main" id="{50B59358-15B1-8B4D-BFE8-6959F609067C}"/>
+                <a16:creationId xmlns:a16="http://schemas.microsoft.com/office/drawing/2014/main" id="{5E94198B-C540-8B4C-A09E-A653265C9959}"/>
               </a:ext>
             </a:extLst>
           </p:cNvPr>
@@ -1730,7 +1730,7 @@
           <p:cNvPr id="6" name="内容占位符 5">
             <a:extLst>
               <a:ext uri="{FF2B5EF4-FFF2-40B4-BE49-F238E27FC236}">
-                <a16:creationId xmlns:a16="http://schemas.microsoft.com/office/drawing/2014/main" id="{68060106-908A-D7A8-FA3E-1F04CA85CE01}"/>
+                <a16:creationId xmlns:a16="http://schemas.microsoft.com/office/drawing/2014/main" id="{203A1032-686E-6F2B-009E-9FB87F8470A3}"/>
               </a:ext>
             </a:extLst>
           </p:cNvPr>
@@ -1792,7 +1792,7 @@
           <p:cNvPr id="7" name="日期占位符 6">
             <a:extLst>
               <a:ext uri="{FF2B5EF4-FFF2-40B4-BE49-F238E27FC236}">
-                <a16:creationId xmlns:a16="http://schemas.microsoft.com/office/drawing/2014/main" id="{176C80D4-1EAA-473B-E904-59E87A89D9BE}"/>
+                <a16:creationId xmlns:a16="http://schemas.microsoft.com/office/drawing/2014/main" id="{7D76D04D-5DF1-FF3C-E93F-8BC1A63B613F}"/>
               </a:ext>
             </a:extLst>
           </p:cNvPr>
@@ -1808,7 +1808,7 @@
           <a:bodyPr/>
           <a:lstStyle/>
           <a:p>
-            <a:fld id="{B69B3A80-F418-4F10-9473-648ABBF2F085}" type="datetimeFigureOut">
+            <a:fld id="{B11E48E7-0EA7-4F38-AC88-CFE93650C372}" type="datetimeFigureOut">
               <a:rPr lang="zh-CN" altLang="en-US" smtClean="0"/>
               <a:t>2024/3/10</a:t>
             </a:fld>
@@ -1821,7 +1821,7 @@
           <p:cNvPr id="8" name="页脚占位符 7">
             <a:extLst>
               <a:ext uri="{FF2B5EF4-FFF2-40B4-BE49-F238E27FC236}">
-                <a16:creationId xmlns:a16="http://schemas.microsoft.com/office/drawing/2014/main" id="{32B15209-8DFE-BC42-4D6E-7A43F8DDAAAD}"/>
+                <a16:creationId xmlns:a16="http://schemas.microsoft.com/office/drawing/2014/main" id="{51FC1DBC-1453-CB4F-93D2-23804B32B7F3}"/>
               </a:ext>
             </a:extLst>
           </p:cNvPr>
@@ -1846,7 +1846,7 @@
           <p:cNvPr id="9" name="灯片编号占位符 8">
             <a:extLst>
               <a:ext uri="{FF2B5EF4-FFF2-40B4-BE49-F238E27FC236}">
-                <a16:creationId xmlns:a16="http://schemas.microsoft.com/office/drawing/2014/main" id="{F5371352-A3E3-606D-3A62-F4E3B5AA48C7}"/>
+                <a16:creationId xmlns:a16="http://schemas.microsoft.com/office/drawing/2014/main" id="{F46940C4-AAA8-9E00-C3AF-1237397B322A}"/>
               </a:ext>
             </a:extLst>
           </p:cNvPr>
@@ -1862,7 +1862,7 @@
           <a:bodyPr/>
           <a:lstStyle/>
           <a:p>
-            <a:fld id="{460F102B-1126-499B-B644-43CB8C79078F}" type="slidenum">
+            <a:fld id="{75B9F9AD-843F-4D3C-B48E-CE19D8EE0607}" type="slidenum">
               <a:rPr lang="zh-CN" altLang="en-US" smtClean="0"/>
               <a:t>‹#›</a:t>
             </a:fld>
@@ -1873,7 +1873,7 @@
     </p:spTree>
     <p:extLst>
       <p:ext uri="{BB962C8B-B14F-4D97-AF65-F5344CB8AC3E}">
-        <p14:creationId xmlns:p14="http://schemas.microsoft.com/office/powerpoint/2010/main" val="2937138434"/>
+        <p14:creationId xmlns:p14="http://schemas.microsoft.com/office/powerpoint/2010/main" val="4127951449"/>
       </p:ext>
     </p:extLst>
   </p:cSld>
@@ -1905,7 +1905,7 @@
           <p:cNvPr id="2" name="标题 1">
             <a:extLst>
               <a:ext uri="{FF2B5EF4-FFF2-40B4-BE49-F238E27FC236}">
-                <a16:creationId xmlns:a16="http://schemas.microsoft.com/office/drawing/2014/main" id="{3CC38BA1-51A1-FD55-3955-4149A31957B4}"/>
+                <a16:creationId xmlns:a16="http://schemas.microsoft.com/office/drawing/2014/main" id="{53146D3B-D521-4A18-0FF0-AB073EEE584B}"/>
               </a:ext>
             </a:extLst>
           </p:cNvPr>
@@ -1933,7 +1933,7 @@
           <p:cNvPr id="3" name="日期占位符 2">
             <a:extLst>
               <a:ext uri="{FF2B5EF4-FFF2-40B4-BE49-F238E27FC236}">
-                <a16:creationId xmlns:a16="http://schemas.microsoft.com/office/drawing/2014/main" id="{7F3F9CAA-58EC-E3CA-B8BC-2B0AF3E60C72}"/>
+                <a16:creationId xmlns:a16="http://schemas.microsoft.com/office/drawing/2014/main" id="{B8095832-8287-0FBA-04E6-8946005C3228}"/>
               </a:ext>
             </a:extLst>
           </p:cNvPr>
@@ -1949,7 +1949,7 @@
           <a:bodyPr/>
           <a:lstStyle/>
           <a:p>
-            <a:fld id="{B69B3A80-F418-4F10-9473-648ABBF2F085}" type="datetimeFigureOut">
+            <a:fld id="{B11E48E7-0EA7-4F38-AC88-CFE93650C372}" type="datetimeFigureOut">
               <a:rPr lang="zh-CN" altLang="en-US" smtClean="0"/>
               <a:t>2024/3/10</a:t>
             </a:fld>
@@ -1962,7 +1962,7 @@
           <p:cNvPr id="4" name="页脚占位符 3">
             <a:extLst>
               <a:ext uri="{FF2B5EF4-FFF2-40B4-BE49-F238E27FC236}">
-                <a16:creationId xmlns:a16="http://schemas.microsoft.com/office/drawing/2014/main" id="{AAE16162-261B-C8EA-D053-760C44C9A283}"/>
+                <a16:creationId xmlns:a16="http://schemas.microsoft.com/office/drawing/2014/main" id="{6A800A72-7497-CA36-4CCB-3927CB80E112}"/>
               </a:ext>
             </a:extLst>
           </p:cNvPr>
@@ -1987,7 +1987,7 @@
           <p:cNvPr id="5" name="灯片编号占位符 4">
             <a:extLst>
               <a:ext uri="{FF2B5EF4-FFF2-40B4-BE49-F238E27FC236}">
-                <a16:creationId xmlns:a16="http://schemas.microsoft.com/office/drawing/2014/main" id="{E4A71E4C-1B8A-F1BF-B0E3-C62C37B54A47}"/>
+                <a16:creationId xmlns:a16="http://schemas.microsoft.com/office/drawing/2014/main" id="{E5FC4761-6155-A0B8-4A3D-00827D702E1F}"/>
               </a:ext>
             </a:extLst>
           </p:cNvPr>
@@ -2003,7 +2003,7 @@
           <a:bodyPr/>
           <a:lstStyle/>
           <a:p>
-            <a:fld id="{460F102B-1126-499B-B644-43CB8C79078F}" type="slidenum">
+            <a:fld id="{75B9F9AD-843F-4D3C-B48E-CE19D8EE0607}" type="slidenum">
               <a:rPr lang="zh-CN" altLang="en-US" smtClean="0"/>
               <a:t>‹#›</a:t>
             </a:fld>
@@ -2014,7 +2014,7 @@
     </p:spTree>
     <p:extLst>
       <p:ext uri="{BB962C8B-B14F-4D97-AF65-F5344CB8AC3E}">
-        <p14:creationId xmlns:p14="http://schemas.microsoft.com/office/powerpoint/2010/main" val="1801319361"/>
+        <p14:creationId xmlns:p14="http://schemas.microsoft.com/office/powerpoint/2010/main" val="3267165889"/>
       </p:ext>
     </p:extLst>
   </p:cSld>
@@ -2046,7 +2046,7 @@
           <p:cNvPr id="2" name="日期占位符 1">
             <a:extLst>
               <a:ext uri="{FF2B5EF4-FFF2-40B4-BE49-F238E27FC236}">
-                <a16:creationId xmlns:a16="http://schemas.microsoft.com/office/drawing/2014/main" id="{DAB9B57D-67CE-455B-62CA-C57B6B8986A3}"/>
+                <a16:creationId xmlns:a16="http://schemas.microsoft.com/office/drawing/2014/main" id="{457D75DC-C898-55AE-93A6-EC7DF15BB508}"/>
               </a:ext>
             </a:extLst>
           </p:cNvPr>
@@ -2062,7 +2062,7 @@
           <a:bodyPr/>
           <a:lstStyle/>
           <a:p>
-            <a:fld id="{B69B3A80-F418-4F10-9473-648ABBF2F085}" type="datetimeFigureOut">
+            <a:fld id="{B11E48E7-0EA7-4F38-AC88-CFE93650C372}" type="datetimeFigureOut">
               <a:rPr lang="zh-CN" altLang="en-US" smtClean="0"/>
               <a:t>2024/3/10</a:t>
             </a:fld>
@@ -2075,7 +2075,7 @@
           <p:cNvPr id="3" name="页脚占位符 2">
             <a:extLst>
               <a:ext uri="{FF2B5EF4-FFF2-40B4-BE49-F238E27FC236}">
-                <a16:creationId xmlns:a16="http://schemas.microsoft.com/office/drawing/2014/main" id="{9AC5C943-DB93-8DF4-609E-2E0E66616A20}"/>
+                <a16:creationId xmlns:a16="http://schemas.microsoft.com/office/drawing/2014/main" id="{9D984CC7-842B-A126-DD8D-1FBFE1E0C6AC}"/>
               </a:ext>
             </a:extLst>
           </p:cNvPr>
@@ -2100,7 +2100,7 @@
           <p:cNvPr id="4" name="灯片编号占位符 3">
             <a:extLst>
               <a:ext uri="{FF2B5EF4-FFF2-40B4-BE49-F238E27FC236}">
-                <a16:creationId xmlns:a16="http://schemas.microsoft.com/office/drawing/2014/main" id="{47747D9C-5D5D-F009-2160-5F78652E13B0}"/>
+                <a16:creationId xmlns:a16="http://schemas.microsoft.com/office/drawing/2014/main" id="{A1C4028E-0025-0581-B254-12ECFAA764F3}"/>
               </a:ext>
             </a:extLst>
           </p:cNvPr>
@@ -2116,7 +2116,7 @@
           <a:bodyPr/>
           <a:lstStyle/>
           <a:p>
-            <a:fld id="{460F102B-1126-499B-B644-43CB8C79078F}" type="slidenum">
+            <a:fld id="{75B9F9AD-843F-4D3C-B48E-CE19D8EE0607}" type="slidenum">
               <a:rPr lang="zh-CN" altLang="en-US" smtClean="0"/>
               <a:t>‹#›</a:t>
             </a:fld>
@@ -2127,7 +2127,7 @@
     </p:spTree>
     <p:extLst>
       <p:ext uri="{BB962C8B-B14F-4D97-AF65-F5344CB8AC3E}">
-        <p14:creationId xmlns:p14="http://schemas.microsoft.com/office/powerpoint/2010/main" val="1479635946"/>
+        <p14:creationId xmlns:p14="http://schemas.microsoft.com/office/powerpoint/2010/main" val="4244812144"/>
       </p:ext>
     </p:extLst>
   </p:cSld>
@@ -2159,7 +2159,7 @@
           <p:cNvPr id="2" name="标题 1">
             <a:extLst>
               <a:ext uri="{FF2B5EF4-FFF2-40B4-BE49-F238E27FC236}">
-                <a16:creationId xmlns:a16="http://schemas.microsoft.com/office/drawing/2014/main" id="{50068C81-0DB9-A135-6582-A3CD77C6F1E4}"/>
+                <a16:creationId xmlns:a16="http://schemas.microsoft.com/office/drawing/2014/main" id="{FCF017B7-4BDA-7896-CAE0-65DC032BBC45}"/>
               </a:ext>
             </a:extLst>
           </p:cNvPr>
@@ -2196,7 +2196,7 @@
           <p:cNvPr id="3" name="内容占位符 2">
             <a:extLst>
               <a:ext uri="{FF2B5EF4-FFF2-40B4-BE49-F238E27FC236}">
-                <a16:creationId xmlns:a16="http://schemas.microsoft.com/office/drawing/2014/main" id="{60F42527-EFBE-4F49-58A7-F03061A039E7}"/>
+                <a16:creationId xmlns:a16="http://schemas.microsoft.com/office/drawing/2014/main" id="{CDDE37BC-434C-2B4A-563E-5D35887814BE}"/>
               </a:ext>
             </a:extLst>
           </p:cNvPr>
@@ -2286,7 +2286,7 @@
           <p:cNvPr id="4" name="文本占位符 3">
             <a:extLst>
               <a:ext uri="{FF2B5EF4-FFF2-40B4-BE49-F238E27FC236}">
-                <a16:creationId xmlns:a16="http://schemas.microsoft.com/office/drawing/2014/main" id="{6787F4F7-4C92-80D2-8778-139714B44A76}"/>
+                <a16:creationId xmlns:a16="http://schemas.microsoft.com/office/drawing/2014/main" id="{3E13ACFF-6028-F518-F45C-4C76F7CB52B4}"/>
               </a:ext>
             </a:extLst>
           </p:cNvPr>
@@ -2357,7 +2357,7 @@
           <p:cNvPr id="5" name="日期占位符 4">
             <a:extLst>
               <a:ext uri="{FF2B5EF4-FFF2-40B4-BE49-F238E27FC236}">
-                <a16:creationId xmlns:a16="http://schemas.microsoft.com/office/drawing/2014/main" id="{6637083F-E9CF-D065-FE69-B5137E24FA9C}"/>
+                <a16:creationId xmlns:a16="http://schemas.microsoft.com/office/drawing/2014/main" id="{224C2228-8829-1FF9-D6D3-54790D5F6767}"/>
               </a:ext>
             </a:extLst>
           </p:cNvPr>
@@ -2373,7 +2373,7 @@
           <a:bodyPr/>
           <a:lstStyle/>
           <a:p>
-            <a:fld id="{B69B3A80-F418-4F10-9473-648ABBF2F085}" type="datetimeFigureOut">
+            <a:fld id="{B11E48E7-0EA7-4F38-AC88-CFE93650C372}" type="datetimeFigureOut">
               <a:rPr lang="zh-CN" altLang="en-US" smtClean="0"/>
               <a:t>2024/3/10</a:t>
             </a:fld>
@@ -2386,7 +2386,7 @@
           <p:cNvPr id="6" name="页脚占位符 5">
             <a:extLst>
               <a:ext uri="{FF2B5EF4-FFF2-40B4-BE49-F238E27FC236}">
-                <a16:creationId xmlns:a16="http://schemas.microsoft.com/office/drawing/2014/main" id="{CD76AAE4-DF6A-3E2F-33F2-CC77FCCA77EB}"/>
+                <a16:creationId xmlns:a16="http://schemas.microsoft.com/office/drawing/2014/main" id="{4F9DE0A1-68DF-A5DB-35EB-EE74CA46A749}"/>
               </a:ext>
             </a:extLst>
           </p:cNvPr>
@@ -2411,7 +2411,7 @@
           <p:cNvPr id="7" name="灯片编号占位符 6">
             <a:extLst>
               <a:ext uri="{FF2B5EF4-FFF2-40B4-BE49-F238E27FC236}">
-                <a16:creationId xmlns:a16="http://schemas.microsoft.com/office/drawing/2014/main" id="{F2C01DE0-1552-9A87-756A-E8BC0853A5D2}"/>
+                <a16:creationId xmlns:a16="http://schemas.microsoft.com/office/drawing/2014/main" id="{9332B7DA-691A-A660-48A6-E1DD92950E7B}"/>
               </a:ext>
             </a:extLst>
           </p:cNvPr>
@@ -2427,7 +2427,7 @@
           <a:bodyPr/>
           <a:lstStyle/>
           <a:p>
-            <a:fld id="{460F102B-1126-499B-B644-43CB8C79078F}" type="slidenum">
+            <a:fld id="{75B9F9AD-843F-4D3C-B48E-CE19D8EE0607}" type="slidenum">
               <a:rPr lang="zh-CN" altLang="en-US" smtClean="0"/>
               <a:t>‹#›</a:t>
             </a:fld>
@@ -2438,7 +2438,7 @@
     </p:spTree>
     <p:extLst>
       <p:ext uri="{BB962C8B-B14F-4D97-AF65-F5344CB8AC3E}">
-        <p14:creationId xmlns:p14="http://schemas.microsoft.com/office/powerpoint/2010/main" val="1860945982"/>
+        <p14:creationId xmlns:p14="http://schemas.microsoft.com/office/powerpoint/2010/main" val="3270715650"/>
       </p:ext>
     </p:extLst>
   </p:cSld>
@@ -2470,7 +2470,7 @@
           <p:cNvPr id="2" name="标题 1">
             <a:extLst>
               <a:ext uri="{FF2B5EF4-FFF2-40B4-BE49-F238E27FC236}">
-                <a16:creationId xmlns:a16="http://schemas.microsoft.com/office/drawing/2014/main" id="{79350B20-AD21-4B2F-98B8-EE353564EF32}"/>
+                <a16:creationId xmlns:a16="http://schemas.microsoft.com/office/drawing/2014/main" id="{D624313F-B43C-1C32-5657-61D43002511D}"/>
               </a:ext>
             </a:extLst>
           </p:cNvPr>
@@ -2507,7 +2507,7 @@
           <p:cNvPr id="3" name="图片占位符 2">
             <a:extLst>
               <a:ext uri="{FF2B5EF4-FFF2-40B4-BE49-F238E27FC236}">
-                <a16:creationId xmlns:a16="http://schemas.microsoft.com/office/drawing/2014/main" id="{F67A81FA-EDAD-96A8-9C8C-649D1F5B0BC9}"/>
+                <a16:creationId xmlns:a16="http://schemas.microsoft.com/office/drawing/2014/main" id="{B0E81166-08FD-52A8-1F8D-FE5E128CD7A6}"/>
               </a:ext>
             </a:extLst>
           </p:cNvPr>
@@ -2574,7 +2574,7 @@
           <p:cNvPr id="4" name="文本占位符 3">
             <a:extLst>
               <a:ext uri="{FF2B5EF4-FFF2-40B4-BE49-F238E27FC236}">
-                <a16:creationId xmlns:a16="http://schemas.microsoft.com/office/drawing/2014/main" id="{FCFD7D97-B9A2-3B44-8280-16CE8F4788EF}"/>
+                <a16:creationId xmlns:a16="http://schemas.microsoft.com/office/drawing/2014/main" id="{11060E52-0D49-9089-9F10-515F19A97793}"/>
               </a:ext>
             </a:extLst>
           </p:cNvPr>
@@ -2645,7 +2645,7 @@
           <p:cNvPr id="5" name="日期占位符 4">
             <a:extLst>
               <a:ext uri="{FF2B5EF4-FFF2-40B4-BE49-F238E27FC236}">
-                <a16:creationId xmlns:a16="http://schemas.microsoft.com/office/drawing/2014/main" id="{CE42B97E-909D-6CAB-F84F-28100FE2D5B3}"/>
+                <a16:creationId xmlns:a16="http://schemas.microsoft.com/office/drawing/2014/main" id="{A34A4E67-120B-B392-364F-6F148F4D913E}"/>
               </a:ext>
             </a:extLst>
           </p:cNvPr>
@@ -2661,7 +2661,7 @@
           <a:bodyPr/>
           <a:lstStyle/>
           <a:p>
-            <a:fld id="{B69B3A80-F418-4F10-9473-648ABBF2F085}" type="datetimeFigureOut">
+            <a:fld id="{B11E48E7-0EA7-4F38-AC88-CFE93650C372}" type="datetimeFigureOut">
               <a:rPr lang="zh-CN" altLang="en-US" smtClean="0"/>
               <a:t>2024/3/10</a:t>
             </a:fld>
@@ -2674,7 +2674,7 @@
           <p:cNvPr id="6" name="页脚占位符 5">
             <a:extLst>
               <a:ext uri="{FF2B5EF4-FFF2-40B4-BE49-F238E27FC236}">
-                <a16:creationId xmlns:a16="http://schemas.microsoft.com/office/drawing/2014/main" id="{EBF754EE-E0D7-6B53-217B-760A3D20D1BB}"/>
+                <a16:creationId xmlns:a16="http://schemas.microsoft.com/office/drawing/2014/main" id="{D9DE25F9-205C-421E-BD63-2D3E2AE3D1FF}"/>
               </a:ext>
             </a:extLst>
           </p:cNvPr>
@@ -2699,7 +2699,7 @@
           <p:cNvPr id="7" name="灯片编号占位符 6">
             <a:extLst>
               <a:ext uri="{FF2B5EF4-FFF2-40B4-BE49-F238E27FC236}">
-                <a16:creationId xmlns:a16="http://schemas.microsoft.com/office/drawing/2014/main" id="{9DF14B70-4D4C-9D5F-B497-5E51CE6F71F6}"/>
+                <a16:creationId xmlns:a16="http://schemas.microsoft.com/office/drawing/2014/main" id="{1D3BC08D-799C-3535-86BE-95ABBD0DE00E}"/>
               </a:ext>
             </a:extLst>
           </p:cNvPr>
@@ -2715,7 +2715,7 @@
           <a:bodyPr/>
           <a:lstStyle/>
           <a:p>
-            <a:fld id="{460F102B-1126-499B-B644-43CB8C79078F}" type="slidenum">
+            <a:fld id="{75B9F9AD-843F-4D3C-B48E-CE19D8EE0607}" type="slidenum">
               <a:rPr lang="zh-CN" altLang="en-US" smtClean="0"/>
               <a:t>‹#›</a:t>
             </a:fld>
@@ -2726,7 +2726,7 @@
     </p:spTree>
     <p:extLst>
       <p:ext uri="{BB962C8B-B14F-4D97-AF65-F5344CB8AC3E}">
-        <p14:creationId xmlns:p14="http://schemas.microsoft.com/office/powerpoint/2010/main" val="3793395720"/>
+        <p14:creationId xmlns:p14="http://schemas.microsoft.com/office/powerpoint/2010/main" val="3098127818"/>
       </p:ext>
     </p:extLst>
   </p:cSld>
@@ -2763,7 +2763,7 @@
           <p:cNvPr id="2" name="标题占位符 1">
             <a:extLst>
               <a:ext uri="{FF2B5EF4-FFF2-40B4-BE49-F238E27FC236}">
-                <a16:creationId xmlns:a16="http://schemas.microsoft.com/office/drawing/2014/main" id="{C856561F-C5AE-F30C-50E9-9088D934C6D9}"/>
+                <a16:creationId xmlns:a16="http://schemas.microsoft.com/office/drawing/2014/main" id="{C628E267-90FC-DE5E-0FD5-70118B5F0E5E}"/>
               </a:ext>
             </a:extLst>
           </p:cNvPr>
@@ -2801,7 +2801,7 @@
           <p:cNvPr id="3" name="文本占位符 2">
             <a:extLst>
               <a:ext uri="{FF2B5EF4-FFF2-40B4-BE49-F238E27FC236}">
-                <a16:creationId xmlns:a16="http://schemas.microsoft.com/office/drawing/2014/main" id="{B6D013A1-D81F-22D5-8266-C88151238307}"/>
+                <a16:creationId xmlns:a16="http://schemas.microsoft.com/office/drawing/2014/main" id="{45B98C0B-4A7C-82BC-94CB-D240113F3B5C}"/>
               </a:ext>
             </a:extLst>
           </p:cNvPr>
@@ -2868,7 +2868,7 @@
           <p:cNvPr id="4" name="日期占位符 3">
             <a:extLst>
               <a:ext uri="{FF2B5EF4-FFF2-40B4-BE49-F238E27FC236}">
-                <a16:creationId xmlns:a16="http://schemas.microsoft.com/office/drawing/2014/main" id="{394624B2-5854-DADC-8C3D-6F41E964F81F}"/>
+                <a16:creationId xmlns:a16="http://schemas.microsoft.com/office/drawing/2014/main" id="{EEF65A8C-952D-438E-091E-C9ADA75464D1}"/>
               </a:ext>
             </a:extLst>
           </p:cNvPr>
@@ -2902,7 +2902,7 @@
             </a:lvl1pPr>
           </a:lstStyle>
           <a:p>
-            <a:fld id="{B69B3A80-F418-4F10-9473-648ABBF2F085}" type="datetimeFigureOut">
+            <a:fld id="{B11E48E7-0EA7-4F38-AC88-CFE93650C372}" type="datetimeFigureOut">
               <a:rPr lang="zh-CN" altLang="en-US" smtClean="0"/>
               <a:t>2024/3/10</a:t>
             </a:fld>
@@ -2915,7 +2915,7 @@
           <p:cNvPr id="5" name="页脚占位符 4">
             <a:extLst>
               <a:ext uri="{FF2B5EF4-FFF2-40B4-BE49-F238E27FC236}">
-                <a16:creationId xmlns:a16="http://schemas.microsoft.com/office/drawing/2014/main" id="{6F00761B-E5A9-CB6C-B87D-1345723B2920}"/>
+                <a16:creationId xmlns:a16="http://schemas.microsoft.com/office/drawing/2014/main" id="{66C3528B-BA5A-B5D3-0300-7F668573488F}"/>
               </a:ext>
             </a:extLst>
           </p:cNvPr>
@@ -2958,7 +2958,7 @@
           <p:cNvPr id="6" name="灯片编号占位符 5">
             <a:extLst>
               <a:ext uri="{FF2B5EF4-FFF2-40B4-BE49-F238E27FC236}">
-                <a16:creationId xmlns:a16="http://schemas.microsoft.com/office/drawing/2014/main" id="{47CCFB78-DA0F-AEB7-D8BA-886B420DC8AC}"/>
+                <a16:creationId xmlns:a16="http://schemas.microsoft.com/office/drawing/2014/main" id="{5AD47488-9A7D-3F38-B6D5-6DAC06926A3F}"/>
               </a:ext>
             </a:extLst>
           </p:cNvPr>
@@ -2992,7 +2992,7 @@
             </a:lvl1pPr>
           </a:lstStyle>
           <a:p>
-            <a:fld id="{460F102B-1126-499B-B644-43CB8C79078F}" type="slidenum">
+            <a:fld id="{75B9F9AD-843F-4D3C-B48E-CE19D8EE0607}" type="slidenum">
               <a:rPr lang="zh-CN" altLang="en-US" smtClean="0"/>
               <a:t>‹#›</a:t>
             </a:fld>
@@ -3003,7 +3003,7 @@
     </p:spTree>
     <p:extLst>
       <p:ext uri="{BB962C8B-B14F-4D97-AF65-F5344CB8AC3E}">
-        <p14:creationId xmlns:p14="http://schemas.microsoft.com/office/powerpoint/2010/main" val="3452391095"/>
+        <p14:creationId xmlns:p14="http://schemas.microsoft.com/office/powerpoint/2010/main" val="1937590165"/>
       </p:ext>
     </p:extLst>
   </p:cSld>
